--- a/Apresentações/Modulo 9/M09A01.pptx
+++ b/Apresentações/Modulo 9/M09A01.pptx
@@ -250,7 +250,7 @@
           <a:p>
             <a:fld id="{F36A889A-630D-4AE9-9509-7F3A71457833}" type="datetimeFigureOut">
               <a:rPr lang="pt-BR" smtClean="0"/>
-              <a:t>12/06/2015</a:t>
+              <a:t>13/06/2015</a:t>
             </a:fld>
             <a:endParaRPr lang="pt-BR"/>
           </a:p>
@@ -420,7 +420,7 @@
           <a:p>
             <a:fld id="{F36A889A-630D-4AE9-9509-7F3A71457833}" type="datetimeFigureOut">
               <a:rPr lang="pt-BR" smtClean="0"/>
-              <a:t>12/06/2015</a:t>
+              <a:t>13/06/2015</a:t>
             </a:fld>
             <a:endParaRPr lang="pt-BR"/>
           </a:p>
@@ -600,7 +600,7 @@
           <a:p>
             <a:fld id="{F36A889A-630D-4AE9-9509-7F3A71457833}" type="datetimeFigureOut">
               <a:rPr lang="pt-BR" smtClean="0"/>
-              <a:t>12/06/2015</a:t>
+              <a:t>13/06/2015</a:t>
             </a:fld>
             <a:endParaRPr lang="pt-BR"/>
           </a:p>
@@ -770,7 +770,7 @@
           <a:p>
             <a:fld id="{F36A889A-630D-4AE9-9509-7F3A71457833}" type="datetimeFigureOut">
               <a:rPr lang="pt-BR" smtClean="0"/>
-              <a:t>12/06/2015</a:t>
+              <a:t>13/06/2015</a:t>
             </a:fld>
             <a:endParaRPr lang="pt-BR"/>
           </a:p>
@@ -1016,7 +1016,7 @@
           <a:p>
             <a:fld id="{F36A889A-630D-4AE9-9509-7F3A71457833}" type="datetimeFigureOut">
               <a:rPr lang="pt-BR" smtClean="0"/>
-              <a:t>12/06/2015</a:t>
+              <a:t>13/06/2015</a:t>
             </a:fld>
             <a:endParaRPr lang="pt-BR"/>
           </a:p>
@@ -1248,7 +1248,7 @@
           <a:p>
             <a:fld id="{F36A889A-630D-4AE9-9509-7F3A71457833}" type="datetimeFigureOut">
               <a:rPr lang="pt-BR" smtClean="0"/>
-              <a:t>12/06/2015</a:t>
+              <a:t>13/06/2015</a:t>
             </a:fld>
             <a:endParaRPr lang="pt-BR"/>
           </a:p>
@@ -1615,7 +1615,7 @@
           <a:p>
             <a:fld id="{F36A889A-630D-4AE9-9509-7F3A71457833}" type="datetimeFigureOut">
               <a:rPr lang="pt-BR" smtClean="0"/>
-              <a:t>12/06/2015</a:t>
+              <a:t>13/06/2015</a:t>
             </a:fld>
             <a:endParaRPr lang="pt-BR"/>
           </a:p>
@@ -1733,7 +1733,7 @@
           <a:p>
             <a:fld id="{F36A889A-630D-4AE9-9509-7F3A71457833}" type="datetimeFigureOut">
               <a:rPr lang="pt-BR" smtClean="0"/>
-              <a:t>12/06/2015</a:t>
+              <a:t>13/06/2015</a:t>
             </a:fld>
             <a:endParaRPr lang="pt-BR"/>
           </a:p>
@@ -1828,7 +1828,7 @@
           <a:p>
             <a:fld id="{F36A889A-630D-4AE9-9509-7F3A71457833}" type="datetimeFigureOut">
               <a:rPr lang="pt-BR" smtClean="0"/>
-              <a:t>12/06/2015</a:t>
+              <a:t>13/06/2015</a:t>
             </a:fld>
             <a:endParaRPr lang="pt-BR"/>
           </a:p>
@@ -2105,7 +2105,7 @@
           <a:p>
             <a:fld id="{F36A889A-630D-4AE9-9509-7F3A71457833}" type="datetimeFigureOut">
               <a:rPr lang="pt-BR" smtClean="0"/>
-              <a:t>12/06/2015</a:t>
+              <a:t>13/06/2015</a:t>
             </a:fld>
             <a:endParaRPr lang="pt-BR"/>
           </a:p>
@@ -2358,7 +2358,7 @@
           <a:p>
             <a:fld id="{F36A889A-630D-4AE9-9509-7F3A71457833}" type="datetimeFigureOut">
               <a:rPr lang="pt-BR" smtClean="0"/>
-              <a:t>12/06/2015</a:t>
+              <a:t>13/06/2015</a:t>
             </a:fld>
             <a:endParaRPr lang="pt-BR"/>
           </a:p>
@@ -2571,7 +2571,7 @@
           <a:p>
             <a:fld id="{F36A889A-630D-4AE9-9509-7F3A71457833}" type="datetimeFigureOut">
               <a:rPr lang="pt-BR" smtClean="0"/>
-              <a:t>12/06/2015</a:t>
+              <a:t>13/06/2015</a:t>
             </a:fld>
             <a:endParaRPr lang="pt-BR"/>
           </a:p>
@@ -3405,8 +3405,20 @@
             <a:pPr fontAlgn="base"/>
             <a:r>
               <a:rPr lang="en-US" dirty="0" smtClean="0"/>
-              <a:t>Data Services</a:t>
-            </a:r>
+              <a:t>Data </a:t>
+            </a:r>
+            <a:r>
+              <a:rPr lang="en-US" dirty="0" smtClean="0"/>
+              <a:t>Services</a:t>
+            </a:r>
+          </a:p>
+          <a:p>
+            <a:pPr fontAlgn="base"/>
+            <a:r>
+              <a:rPr lang="en-US" dirty="0"/>
+              <a:t>https://github.com/johnpapa/angular-styleguide</a:t>
+            </a:r>
+            <a:endParaRPr lang="en-US" dirty="0" smtClean="0"/>
           </a:p>
           <a:p>
             <a:pPr fontAlgn="base"/>
